--- a/设计图.pptx
+++ b/设计图.pptx
@@ -104,6 +104,11 @@
       </a:defRPr>
     </a:lvl9pPr>
   </p:defaultTextStyle>
+  <p:extLst>
+    <p:ext uri="{EFAFB233-063F-42B5-8137-9DF3F51BA10A}">
+      <p15:sldGuideLst xmlns:p15="http://schemas.microsoft.com/office/powerpoint/2012/main"/>
+    </p:ext>
+  </p:extLst>
 </p:presentation>
 </file>
 
@@ -254,7 +259,7 @@
           <a:p>
             <a:fld id="{FF3E9D34-D405-4236-B606-2396A88F8E7B}" type="datetimeFigureOut">
               <a:rPr lang="zh-CN" altLang="en-US" smtClean="0"/>
-              <a:t>2018/5/16</a:t>
+              <a:t>2018/5/31</a:t>
             </a:fld>
             <a:endParaRPr lang="zh-CN" altLang="en-US"/>
           </a:p>
@@ -452,7 +457,7 @@
           <a:p>
             <a:fld id="{FF3E9D34-D405-4236-B606-2396A88F8E7B}" type="datetimeFigureOut">
               <a:rPr lang="zh-CN" altLang="en-US" smtClean="0"/>
-              <a:t>2018/5/16</a:t>
+              <a:t>2018/5/31</a:t>
             </a:fld>
             <a:endParaRPr lang="zh-CN" altLang="en-US"/>
           </a:p>
@@ -660,7 +665,7 @@
           <a:p>
             <a:fld id="{FF3E9D34-D405-4236-B606-2396A88F8E7B}" type="datetimeFigureOut">
               <a:rPr lang="zh-CN" altLang="en-US" smtClean="0"/>
-              <a:t>2018/5/16</a:t>
+              <a:t>2018/5/31</a:t>
             </a:fld>
             <a:endParaRPr lang="zh-CN" altLang="en-US"/>
           </a:p>
@@ -858,7 +863,7 @@
           <a:p>
             <a:fld id="{FF3E9D34-D405-4236-B606-2396A88F8E7B}" type="datetimeFigureOut">
               <a:rPr lang="zh-CN" altLang="en-US" smtClean="0"/>
-              <a:t>2018/5/16</a:t>
+              <a:t>2018/5/31</a:t>
             </a:fld>
             <a:endParaRPr lang="zh-CN" altLang="en-US"/>
           </a:p>
@@ -1133,7 +1138,7 @@
           <a:p>
             <a:fld id="{FF3E9D34-D405-4236-B606-2396A88F8E7B}" type="datetimeFigureOut">
               <a:rPr lang="zh-CN" altLang="en-US" smtClean="0"/>
-              <a:t>2018/5/16</a:t>
+              <a:t>2018/5/31</a:t>
             </a:fld>
             <a:endParaRPr lang="zh-CN" altLang="en-US"/>
           </a:p>
@@ -1398,7 +1403,7 @@
           <a:p>
             <a:fld id="{FF3E9D34-D405-4236-B606-2396A88F8E7B}" type="datetimeFigureOut">
               <a:rPr lang="zh-CN" altLang="en-US" smtClean="0"/>
-              <a:t>2018/5/16</a:t>
+              <a:t>2018/5/31</a:t>
             </a:fld>
             <a:endParaRPr lang="zh-CN" altLang="en-US"/>
           </a:p>
@@ -1810,7 +1815,7 @@
           <a:p>
             <a:fld id="{FF3E9D34-D405-4236-B606-2396A88F8E7B}" type="datetimeFigureOut">
               <a:rPr lang="zh-CN" altLang="en-US" smtClean="0"/>
-              <a:t>2018/5/16</a:t>
+              <a:t>2018/5/31</a:t>
             </a:fld>
             <a:endParaRPr lang="zh-CN" altLang="en-US"/>
           </a:p>
@@ -1951,7 +1956,7 @@
           <a:p>
             <a:fld id="{FF3E9D34-D405-4236-B606-2396A88F8E7B}" type="datetimeFigureOut">
               <a:rPr lang="zh-CN" altLang="en-US" smtClean="0"/>
-              <a:t>2018/5/16</a:t>
+              <a:t>2018/5/31</a:t>
             </a:fld>
             <a:endParaRPr lang="zh-CN" altLang="en-US"/>
           </a:p>
@@ -2064,7 +2069,7 @@
           <a:p>
             <a:fld id="{FF3E9D34-D405-4236-B606-2396A88F8E7B}" type="datetimeFigureOut">
               <a:rPr lang="zh-CN" altLang="en-US" smtClean="0"/>
-              <a:t>2018/5/16</a:t>
+              <a:t>2018/5/31</a:t>
             </a:fld>
             <a:endParaRPr lang="zh-CN" altLang="en-US"/>
           </a:p>
@@ -2375,7 +2380,7 @@
           <a:p>
             <a:fld id="{FF3E9D34-D405-4236-B606-2396A88F8E7B}" type="datetimeFigureOut">
               <a:rPr lang="zh-CN" altLang="en-US" smtClean="0"/>
-              <a:t>2018/5/16</a:t>
+              <a:t>2018/5/31</a:t>
             </a:fld>
             <a:endParaRPr lang="zh-CN" altLang="en-US"/>
           </a:p>
@@ -2663,7 +2668,7 @@
           <a:p>
             <a:fld id="{FF3E9D34-D405-4236-B606-2396A88F8E7B}" type="datetimeFigureOut">
               <a:rPr lang="zh-CN" altLang="en-US" smtClean="0"/>
-              <a:t>2018/5/16</a:t>
+              <a:t>2018/5/31</a:t>
             </a:fld>
             <a:endParaRPr lang="zh-CN" altLang="en-US"/>
           </a:p>
@@ -2904,7 +2909,7 @@
           <a:p>
             <a:fld id="{FF3E9D34-D405-4236-B606-2396A88F8E7B}" type="datetimeFigureOut">
               <a:rPr lang="zh-CN" altLang="en-US" smtClean="0"/>
-              <a:t>2018/5/16</a:t>
+              <a:t>2018/5/31</a:t>
             </a:fld>
             <a:endParaRPr lang="zh-CN" altLang="en-US"/>
           </a:p>
@@ -3335,8 +3340,8 @@
         </p:nvSpPr>
         <p:spPr>
           <a:xfrm>
-            <a:off x="2605361" y="2516904"/>
-            <a:ext cx="2973904" cy="2457238"/>
+            <a:off x="2605361" y="2180492"/>
+            <a:ext cx="2973904" cy="2793650"/>
           </a:xfrm>
           <a:prstGeom prst="roundRect">
             <a:avLst/>
@@ -3385,8 +3390,8 @@
         </p:nvSpPr>
         <p:spPr>
           <a:xfrm>
-            <a:off x="4963551" y="2516904"/>
-            <a:ext cx="3389388" cy="2457238"/>
+            <a:off x="4963551" y="2180492"/>
+            <a:ext cx="3389388" cy="2793650"/>
           </a:xfrm>
           <a:prstGeom prst="roundRect">
             <a:avLst/>
@@ -3465,7 +3470,7 @@
             <a:pPr algn="ctr"/>
             <a:r>
               <a:rPr lang="zh-CN" altLang="en-US" dirty="0"/>
-              <a:t>数据服务模块</a:t>
+              <a:t>数据查询服务模块</a:t>
             </a:r>
             <a:endParaRPr lang="en-US" altLang="zh-CN" dirty="0"/>
           </a:p>
@@ -3586,7 +3591,7 @@
             <a:pPr algn="ctr"/>
             <a:r>
               <a:rPr lang="zh-CN" altLang="en-US" dirty="0"/>
-              <a:t>数据服务管理</a:t>
+              <a:t>数据查询服务管理</a:t>
             </a:r>
           </a:p>
         </p:txBody>
@@ -3659,7 +3664,7 @@
         </p:nvSpPr>
         <p:spPr>
           <a:xfrm>
-            <a:off x="8201472" y="3520440"/>
+            <a:off x="8201472" y="3112477"/>
             <a:ext cx="956596" cy="633046"/>
           </a:xfrm>
           <a:prstGeom prst="rightArrow">
@@ -3718,8 +3723,8 @@
         </p:nvSpPr>
         <p:spPr>
           <a:xfrm>
-            <a:off x="5077266" y="3112477"/>
-            <a:ext cx="407963" cy="1448972"/>
+            <a:off x="5077266" y="2602523"/>
+            <a:ext cx="407963" cy="1958926"/>
           </a:xfrm>
           <a:prstGeom prst="roundRect">
             <a:avLst/>
@@ -3883,7 +3888,7 @@
         </p:nvSpPr>
         <p:spPr>
           <a:xfrm>
-            <a:off x="8342149" y="3651765"/>
+            <a:off x="8342149" y="3243802"/>
             <a:ext cx="671979" cy="369332"/>
           </a:xfrm>
           <a:prstGeom prst="rect">
@@ -4024,7 +4029,7 @@
         </p:nvSpPr>
         <p:spPr>
           <a:xfrm>
-            <a:off x="6121194" y="2015021"/>
+            <a:off x="6121194" y="1747733"/>
             <a:ext cx="1133644" cy="369332"/>
           </a:xfrm>
           <a:prstGeom prst="rect">
@@ -4063,7 +4068,7 @@
         </p:nvSpPr>
         <p:spPr>
           <a:xfrm>
-            <a:off x="3348088" y="2012022"/>
+            <a:off x="3348088" y="1744734"/>
             <a:ext cx="1101584" cy="369332"/>
           </a:xfrm>
           <a:prstGeom prst="rect">
@@ -4085,6 +4090,64 @@
               <a:rPr lang="zh-CN" altLang="en-US" dirty="0"/>
               <a:t>管理</a:t>
             </a:r>
+          </a:p>
+        </p:txBody>
+      </p:sp>
+      <p:sp>
+        <p:nvSpPr>
+          <p:cNvPr id="18" name="矩形 17">
+            <a:extLst>
+              <a:ext uri="{FF2B5EF4-FFF2-40B4-BE49-F238E27FC236}">
+                <a16:creationId xmlns:a16="http://schemas.microsoft.com/office/drawing/2014/main" id="{F41A823F-3B61-432E-85E5-6C3CA3E4FC99}"/>
+              </a:ext>
+            </a:extLst>
+          </p:cNvPr>
+          <p:cNvSpPr/>
+          <p:nvPr/>
+        </p:nvSpPr>
+        <p:spPr>
+          <a:xfrm>
+            <a:off x="5807612" y="2296551"/>
+            <a:ext cx="2208627" cy="633046"/>
+          </a:xfrm>
+          <a:prstGeom prst="rect">
+            <a:avLst/>
+          </a:prstGeom>
+        </p:spPr>
+        <p:style>
+          <a:lnRef idx="2">
+            <a:schemeClr val="accent1">
+              <a:shade val="50000"/>
+            </a:schemeClr>
+          </a:lnRef>
+          <a:fillRef idx="1">
+            <a:schemeClr val="accent1"/>
+          </a:fillRef>
+          <a:effectRef idx="0">
+            <a:schemeClr val="accent1"/>
+          </a:effectRef>
+          <a:fontRef idx="minor">
+            <a:schemeClr val="lt1"/>
+          </a:fontRef>
+        </p:style>
+        <p:txBody>
+          <a:bodyPr rtlCol="0" anchor="ctr"/>
+          <a:lstStyle/>
+          <a:p>
+            <a:pPr algn="ctr"/>
+            <a:r>
+              <a:rPr lang="zh-CN" altLang="en-US" dirty="0"/>
+              <a:t>数据管理服务模块</a:t>
+            </a:r>
+            <a:endParaRPr lang="en-US" altLang="zh-CN" dirty="0"/>
+          </a:p>
+          <a:p>
+            <a:pPr algn="ctr"/>
+            <a:r>
+              <a:rPr lang="en-US" altLang="zh-CN" dirty="0" err="1"/>
+              <a:t>datamanage</a:t>
+            </a:r>
+            <a:endParaRPr lang="zh-CN" altLang="en-US" dirty="0"/>
           </a:p>
         </p:txBody>
       </p:sp>
